--- a/Slides 2020/5. Git 초급.pptx
+++ b/Slides 2020/5. Git 초급.pptx
@@ -265,7 +265,7 @@
           <a:p>
             <a:fld id="{3A51E6CB-1B67-49CD-819C-CBD1F8F15839}" type="datetimeFigureOut">
               <a:rPr lang="ko-KR" altLang="en-US" smtClean="0"/>
-              <a:t>2020-09-24</a:t>
+              <a:t>2021-09-30</a:t>
             </a:fld>
             <a:endParaRPr lang="ko-KR" altLang="en-US"/>
           </a:p>
@@ -915,7 +915,7 @@
           <a:p>
             <a:fld id="{1EA80F27-E9B9-4A8E-9A59-01CCB3F43850}" type="datetime1">
               <a:rPr lang="ko-KR" altLang="en-US" smtClean="0"/>
-              <a:t>2020-09-24</a:t>
+              <a:t>2021-09-30</a:t>
             </a:fld>
             <a:endParaRPr lang="ko-KR" altLang="en-US"/>
           </a:p>
@@ -1131,7 +1131,7 @@
           <a:p>
             <a:fld id="{7E5363F8-22A8-407F-82B0-EFC1D1C22895}" type="datetime1">
               <a:rPr lang="ko-KR" altLang="en-US" smtClean="0"/>
-              <a:t>2020-09-24</a:t>
+              <a:t>2021-09-30</a:t>
             </a:fld>
             <a:endParaRPr lang="ko-KR" altLang="en-US"/>
           </a:p>
@@ -1311,7 +1311,7 @@
           <a:p>
             <a:fld id="{8187739B-8E74-4F06-BBD0-F6D670C1F7A1}" type="datetime1">
               <a:rPr lang="ko-KR" altLang="en-US" smtClean="0"/>
-              <a:t>2020-09-24</a:t>
+              <a:t>2021-09-30</a:t>
             </a:fld>
             <a:endParaRPr lang="ko-KR" altLang="en-US"/>
           </a:p>
@@ -1481,7 +1481,7 @@
           <a:p>
             <a:fld id="{947C39E4-F1C0-46F5-93CB-857C8C3AEB8D}" type="datetime1">
               <a:rPr lang="ko-KR" altLang="en-US" smtClean="0"/>
-              <a:t>2020-09-24</a:t>
+              <a:t>2021-09-30</a:t>
             </a:fld>
             <a:endParaRPr lang="ko-KR" altLang="en-US"/>
           </a:p>
@@ -1725,7 +1725,7 @@
           <a:p>
             <a:fld id="{7818271D-E6C7-4286-B2FD-D9AA53F1E428}" type="datetime1">
               <a:rPr lang="ko-KR" altLang="en-US" smtClean="0"/>
-              <a:t>2020-09-24</a:t>
+              <a:t>2021-09-30</a:t>
             </a:fld>
             <a:endParaRPr lang="ko-KR" altLang="en-US"/>
           </a:p>
@@ -1957,7 +1957,7 @@
           <a:p>
             <a:fld id="{8CE3C26B-F624-420D-BF9D-391E2E695B27}" type="datetime1">
               <a:rPr lang="ko-KR" altLang="en-US" smtClean="0"/>
-              <a:t>2020-09-24</a:t>
+              <a:t>2021-09-30</a:t>
             </a:fld>
             <a:endParaRPr lang="ko-KR" altLang="en-US"/>
           </a:p>
@@ -2324,7 +2324,7 @@
           <a:p>
             <a:fld id="{A1FC83CE-7AD5-4A20-9998-54C7F9F05545}" type="datetime1">
               <a:rPr lang="ko-KR" altLang="en-US" smtClean="0"/>
-              <a:t>2020-09-24</a:t>
+              <a:t>2021-09-30</a:t>
             </a:fld>
             <a:endParaRPr lang="ko-KR" altLang="en-US"/>
           </a:p>
@@ -2442,7 +2442,7 @@
           <a:p>
             <a:fld id="{3A3E22EA-EB96-4ADF-ABA9-A693E5F7BB1E}" type="datetime1">
               <a:rPr lang="ko-KR" altLang="en-US" smtClean="0"/>
-              <a:t>2020-09-24</a:t>
+              <a:t>2021-09-30</a:t>
             </a:fld>
             <a:endParaRPr lang="ko-KR" altLang="en-US"/>
           </a:p>
@@ -2537,7 +2537,7 @@
           <a:p>
             <a:fld id="{0D5BD961-86A8-440A-8C4E-52B6CA6FECED}" type="datetime1">
               <a:rPr lang="ko-KR" altLang="en-US" smtClean="0"/>
-              <a:t>2020-09-24</a:t>
+              <a:t>2021-09-30</a:t>
             </a:fld>
             <a:endParaRPr lang="ko-KR" altLang="en-US"/>
           </a:p>
@@ -2814,7 +2814,7 @@
           <a:p>
             <a:fld id="{CD151CC0-1347-483B-8708-01772054FA68}" type="datetime1">
               <a:rPr lang="ko-KR" altLang="en-US" smtClean="0"/>
-              <a:t>2020-09-24</a:t>
+              <a:t>2021-09-30</a:t>
             </a:fld>
             <a:endParaRPr lang="ko-KR" altLang="en-US"/>
           </a:p>
@@ -3071,7 +3071,7 @@
           <a:p>
             <a:fld id="{57185993-49E6-4096-BF26-930E741DA796}" type="datetime1">
               <a:rPr lang="ko-KR" altLang="en-US" smtClean="0"/>
-              <a:t>2020-09-24</a:t>
+              <a:t>2021-09-30</a:t>
             </a:fld>
             <a:endParaRPr lang="ko-KR" altLang="en-US"/>
           </a:p>
@@ -3287,7 +3287,7 @@
           <a:p>
             <a:fld id="{170798F3-F6A9-4876-8D5A-30BE2843F4A2}" type="datetime1">
               <a:rPr lang="ko-KR" altLang="en-US" smtClean="0"/>
-              <a:t>2020-09-24</a:t>
+              <a:t>2021-09-30</a:t>
             </a:fld>
             <a:endParaRPr lang="ko-KR" altLang="en-US"/>
           </a:p>
@@ -6251,6 +6251,64 @@
           </a:prstGeom>
         </p:spPr>
       </p:pic>
+      <p:sp>
+        <p:nvSpPr>
+          <p:cNvPr id="2" name="TextBox 1">
+            <a:extLst>
+              <a:ext uri="{FF2B5EF4-FFF2-40B4-BE49-F238E27FC236}">
+                <a16:creationId xmlns:a16="http://schemas.microsoft.com/office/drawing/2014/main" id="{3E2938EF-D7D3-494C-9648-D3397AF62772}"/>
+              </a:ext>
+            </a:extLst>
+          </p:cNvPr>
+          <p:cNvSpPr txBox="1"/>
+          <p:nvPr/>
+        </p:nvSpPr>
+        <p:spPr>
+          <a:xfrm>
+            <a:off x="155574" y="5620043"/>
+            <a:ext cx="1907687" cy="461665"/>
+          </a:xfrm>
+          <a:prstGeom prst="rect">
+            <a:avLst/>
+          </a:prstGeom>
+          <a:noFill/>
+        </p:spPr>
+        <p:txBody>
+          <a:bodyPr wrap="square" rtlCol="0">
+            <a:spAutoFit/>
+          </a:bodyPr>
+          <a:lstStyle/>
+          <a:p>
+            <a:r>
+              <a:rPr lang="ko-KR" altLang="en-US" sz="1200" dirty="0"/>
+              <a:t>또는 </a:t>
+            </a:r>
+            <a:r>
+              <a:rPr lang="en-US" altLang="ko-KR" sz="1200" dirty="0"/>
+              <a:t>git restore </a:t>
+            </a:r>
+            <a:r>
+              <a:rPr lang="en-US" altLang="ko-KR" sz="1200" i="1" dirty="0"/>
+              <a:t>files</a:t>
+            </a:r>
+          </a:p>
+          <a:p>
+            <a:r>
+              <a:rPr lang="en-US" altLang="ko-KR" sz="1200" dirty="0"/>
+              <a:t>(Git 2.23 </a:t>
+            </a:r>
+            <a:r>
+              <a:rPr lang="ko-KR" altLang="en-US" sz="1200" dirty="0"/>
+              <a:t>버전 이상</a:t>
+            </a:r>
+            <a:r>
+              <a:rPr lang="en-US" altLang="ko-KR" sz="1200" dirty="0"/>
+              <a:t>)</a:t>
+            </a:r>
+            <a:endParaRPr lang="ko-KR" altLang="en-US" sz="1200" dirty="0"/>
+          </a:p>
+        </p:txBody>
+      </p:sp>
     </p:spTree>
     <p:extLst>
       <p:ext uri="{BB962C8B-B14F-4D97-AF65-F5344CB8AC3E}">
@@ -9109,6 +9167,64 @@
           </a:p>
         </p:txBody>
       </p:sp>
+      <p:sp>
+        <p:nvSpPr>
+          <p:cNvPr id="9" name="TextBox 8">
+            <a:extLst>
+              <a:ext uri="{FF2B5EF4-FFF2-40B4-BE49-F238E27FC236}">
+                <a16:creationId xmlns:a16="http://schemas.microsoft.com/office/drawing/2014/main" id="{E5B55270-8CB3-45D2-9299-8BF5F64507BB}"/>
+              </a:ext>
+            </a:extLst>
+          </p:cNvPr>
+          <p:cNvSpPr txBox="1"/>
+          <p:nvPr/>
+        </p:nvSpPr>
+        <p:spPr>
+          <a:xfrm>
+            <a:off x="4401877" y="5330164"/>
+            <a:ext cx="1907687" cy="461665"/>
+          </a:xfrm>
+          <a:prstGeom prst="rect">
+            <a:avLst/>
+          </a:prstGeom>
+          <a:noFill/>
+        </p:spPr>
+        <p:txBody>
+          <a:bodyPr wrap="square" rtlCol="0">
+            <a:spAutoFit/>
+          </a:bodyPr>
+          <a:lstStyle/>
+          <a:p>
+            <a:r>
+              <a:rPr lang="ko-KR" altLang="en-US" sz="1200" dirty="0"/>
+              <a:t>또는 </a:t>
+            </a:r>
+            <a:r>
+              <a:rPr lang="en-US" altLang="ko-KR" sz="1200" dirty="0"/>
+              <a:t>git restore </a:t>
+            </a:r>
+            <a:r>
+              <a:rPr lang="en-US" altLang="ko-KR" sz="1200" i="1" dirty="0"/>
+              <a:t>files</a:t>
+            </a:r>
+          </a:p>
+          <a:p>
+            <a:r>
+              <a:rPr lang="en-US" altLang="ko-KR" sz="1200" dirty="0"/>
+              <a:t>(Git 2.23 </a:t>
+            </a:r>
+            <a:r>
+              <a:rPr lang="ko-KR" altLang="en-US" sz="1200" dirty="0"/>
+              <a:t>버전 이상</a:t>
+            </a:r>
+            <a:r>
+              <a:rPr lang="en-US" altLang="ko-KR" sz="1200" dirty="0"/>
+              <a:t>)</a:t>
+            </a:r>
+            <a:endParaRPr lang="ko-KR" altLang="en-US" sz="1200" dirty="0"/>
+          </a:p>
+        </p:txBody>
+      </p:sp>
     </p:spTree>
     <p:extLst>
       <p:ext uri="{BB962C8B-B14F-4D97-AF65-F5344CB8AC3E}">
@@ -10129,6 +10245,64 @@
           </a:prstGeom>
         </p:spPr>
       </p:pic>
+      <p:sp>
+        <p:nvSpPr>
+          <p:cNvPr id="6" name="TextBox 5">
+            <a:extLst>
+              <a:ext uri="{FF2B5EF4-FFF2-40B4-BE49-F238E27FC236}">
+                <a16:creationId xmlns:a16="http://schemas.microsoft.com/office/drawing/2014/main" id="{CE8AB46A-5587-4414-B728-D9F4AC295DB5}"/>
+              </a:ext>
+            </a:extLst>
+          </p:cNvPr>
+          <p:cNvSpPr txBox="1"/>
+          <p:nvPr/>
+        </p:nvSpPr>
+        <p:spPr>
+          <a:xfrm>
+            <a:off x="4347867" y="5710030"/>
+            <a:ext cx="1907687" cy="461665"/>
+          </a:xfrm>
+          <a:prstGeom prst="rect">
+            <a:avLst/>
+          </a:prstGeom>
+          <a:noFill/>
+        </p:spPr>
+        <p:txBody>
+          <a:bodyPr wrap="square" rtlCol="0">
+            <a:spAutoFit/>
+          </a:bodyPr>
+          <a:lstStyle/>
+          <a:p>
+            <a:r>
+              <a:rPr lang="ko-KR" altLang="en-US" sz="1200" dirty="0"/>
+              <a:t>또는 </a:t>
+            </a:r>
+            <a:r>
+              <a:rPr lang="en-US" altLang="ko-KR" sz="1200" dirty="0"/>
+              <a:t>git restore </a:t>
+            </a:r>
+            <a:r>
+              <a:rPr lang="en-US" altLang="ko-KR" sz="1200" i="1" dirty="0"/>
+              <a:t>files</a:t>
+            </a:r>
+          </a:p>
+          <a:p>
+            <a:r>
+              <a:rPr lang="en-US" altLang="ko-KR" sz="1200" dirty="0"/>
+              <a:t>(Git 2.23 </a:t>
+            </a:r>
+            <a:r>
+              <a:rPr lang="ko-KR" altLang="en-US" sz="1200" dirty="0"/>
+              <a:t>버전 이상</a:t>
+            </a:r>
+            <a:r>
+              <a:rPr lang="en-US" altLang="ko-KR" sz="1200" dirty="0"/>
+              <a:t>)</a:t>
+            </a:r>
+            <a:endParaRPr lang="ko-KR" altLang="en-US" sz="1200" dirty="0"/>
+          </a:p>
+        </p:txBody>
+      </p:sp>
     </p:spTree>
     <p:extLst>
       <p:ext uri="{BB962C8B-B14F-4D97-AF65-F5344CB8AC3E}">
@@ -10596,6 +10770,64 @@
           </a:prstGeom>
         </p:spPr>
       </p:pic>
+      <p:sp>
+        <p:nvSpPr>
+          <p:cNvPr id="7" name="TextBox 6">
+            <a:extLst>
+              <a:ext uri="{FF2B5EF4-FFF2-40B4-BE49-F238E27FC236}">
+                <a16:creationId xmlns:a16="http://schemas.microsoft.com/office/drawing/2014/main" id="{8485819C-9CFB-4289-A9CA-141AABA518EE}"/>
+              </a:ext>
+            </a:extLst>
+          </p:cNvPr>
+          <p:cNvSpPr txBox="1"/>
+          <p:nvPr/>
+        </p:nvSpPr>
+        <p:spPr>
+          <a:xfrm>
+            <a:off x="4471853" y="5975636"/>
+            <a:ext cx="1907687" cy="461665"/>
+          </a:xfrm>
+          <a:prstGeom prst="rect">
+            <a:avLst/>
+          </a:prstGeom>
+          <a:noFill/>
+        </p:spPr>
+        <p:txBody>
+          <a:bodyPr wrap="square" rtlCol="0">
+            <a:spAutoFit/>
+          </a:bodyPr>
+          <a:lstStyle/>
+          <a:p>
+            <a:r>
+              <a:rPr lang="ko-KR" altLang="en-US" sz="1200" dirty="0"/>
+              <a:t>또는 </a:t>
+            </a:r>
+            <a:r>
+              <a:rPr lang="en-US" altLang="ko-KR" sz="1200" dirty="0"/>
+              <a:t>git restore </a:t>
+            </a:r>
+            <a:r>
+              <a:rPr lang="en-US" altLang="ko-KR" sz="1200" i="1" dirty="0"/>
+              <a:t>files</a:t>
+            </a:r>
+          </a:p>
+          <a:p>
+            <a:r>
+              <a:rPr lang="en-US" altLang="ko-KR" sz="1200" dirty="0"/>
+              <a:t>(Git 2.23 </a:t>
+            </a:r>
+            <a:r>
+              <a:rPr lang="ko-KR" altLang="en-US" sz="1200" dirty="0"/>
+              <a:t>버전 이상</a:t>
+            </a:r>
+            <a:r>
+              <a:rPr lang="en-US" altLang="ko-KR" sz="1200" dirty="0"/>
+              <a:t>)</a:t>
+            </a:r>
+            <a:endParaRPr lang="ko-KR" altLang="en-US" sz="1200" dirty="0"/>
+          </a:p>
+        </p:txBody>
+      </p:sp>
     </p:spTree>
     <p:extLst>
       <p:ext uri="{BB962C8B-B14F-4D97-AF65-F5344CB8AC3E}">
@@ -10669,7 +10901,7 @@
         <p:spPr>
           <a:xfrm>
             <a:off x="395536" y="4130297"/>
-            <a:ext cx="8352928" cy="2198221"/>
+            <a:ext cx="8352928" cy="2637283"/>
           </a:xfrm>
         </p:spPr>
         <p:txBody>
@@ -10722,6 +10954,31 @@
               <a:rPr lang="ko-KR" altLang="en-US" dirty="0"/>
               <a:t>를 옮기는 명령</a:t>
             </a:r>
+            <a:endParaRPr lang="en-US" altLang="ko-KR" dirty="0"/>
+          </a:p>
+          <a:p>
+            <a:pPr lvl="1"/>
+            <a:r>
+              <a:rPr lang="en-US" altLang="ko-KR" dirty="0"/>
+              <a:t>git switch --detach </a:t>
+            </a:r>
+            <a:r>
+              <a:rPr lang="ko-KR" altLang="en-US" dirty="0"/>
+              <a:t>도 동일한 명령 </a:t>
+            </a:r>
+            <a:r>
+              <a:rPr lang="en-US" altLang="ko-KR" dirty="0"/>
+              <a:t>(Git 2.23 </a:t>
+            </a:r>
+            <a:r>
+              <a:rPr lang="ko-KR" altLang="en-US" dirty="0"/>
+              <a:t>버전 이상</a:t>
+            </a:r>
+            <a:r>
+              <a:rPr lang="en-US" altLang="ko-KR" dirty="0"/>
+              <a:t>)</a:t>
+            </a:r>
+            <a:endParaRPr lang="ko-KR" altLang="en-US" dirty="0"/>
           </a:p>
         </p:txBody>
       </p:sp>
